--- a/lecture-materials/Compute/aws_nitro_system/aws_nitro_system.pptx
+++ b/lecture-materials/Compute/aws_nitro_system/aws_nitro_system.pptx
@@ -270,7 +270,7 @@
           <a:p>
             <a:fld id="{BB7429E2-DF8E-1342-B890-861DA6477E85}" type="datetimeFigureOut">
               <a:rPr lang="en-CH" smtClean="0"/>
-              <a:t>02.12.2023</a:t>
+              <a:t>05.12.2023</a:t>
             </a:fld>
             <a:endParaRPr lang="en-CH"/>
           </a:p>
@@ -470,7 +470,7 @@
           <a:p>
             <a:fld id="{BB7429E2-DF8E-1342-B890-861DA6477E85}" type="datetimeFigureOut">
               <a:rPr lang="en-CH" smtClean="0"/>
-              <a:t>02.12.2023</a:t>
+              <a:t>05.12.2023</a:t>
             </a:fld>
             <a:endParaRPr lang="en-CH"/>
           </a:p>
@@ -680,7 +680,7 @@
           <a:p>
             <a:fld id="{BB7429E2-DF8E-1342-B890-861DA6477E85}" type="datetimeFigureOut">
               <a:rPr lang="en-CH" smtClean="0"/>
-              <a:t>02.12.2023</a:t>
+              <a:t>05.12.2023</a:t>
             </a:fld>
             <a:endParaRPr lang="en-CH"/>
           </a:p>
@@ -880,7 +880,7 @@
           <a:p>
             <a:fld id="{BB7429E2-DF8E-1342-B890-861DA6477E85}" type="datetimeFigureOut">
               <a:rPr lang="en-CH" smtClean="0"/>
-              <a:t>02.12.2023</a:t>
+              <a:t>05.12.2023</a:t>
             </a:fld>
             <a:endParaRPr lang="en-CH"/>
           </a:p>
@@ -1156,7 +1156,7 @@
           <a:p>
             <a:fld id="{BB7429E2-DF8E-1342-B890-861DA6477E85}" type="datetimeFigureOut">
               <a:rPr lang="en-CH" smtClean="0"/>
-              <a:t>02.12.2023</a:t>
+              <a:t>05.12.2023</a:t>
             </a:fld>
             <a:endParaRPr lang="en-CH"/>
           </a:p>
@@ -1424,7 +1424,7 @@
           <a:p>
             <a:fld id="{BB7429E2-DF8E-1342-B890-861DA6477E85}" type="datetimeFigureOut">
               <a:rPr lang="en-CH" smtClean="0"/>
-              <a:t>02.12.2023</a:t>
+              <a:t>05.12.2023</a:t>
             </a:fld>
             <a:endParaRPr lang="en-CH"/>
           </a:p>
@@ -1839,7 +1839,7 @@
           <a:p>
             <a:fld id="{BB7429E2-DF8E-1342-B890-861DA6477E85}" type="datetimeFigureOut">
               <a:rPr lang="en-CH" smtClean="0"/>
-              <a:t>02.12.2023</a:t>
+              <a:t>05.12.2023</a:t>
             </a:fld>
             <a:endParaRPr lang="en-CH"/>
           </a:p>
@@ -1981,7 +1981,7 @@
           <a:p>
             <a:fld id="{BB7429E2-DF8E-1342-B890-861DA6477E85}" type="datetimeFigureOut">
               <a:rPr lang="en-CH" smtClean="0"/>
-              <a:t>02.12.2023</a:t>
+              <a:t>05.12.2023</a:t>
             </a:fld>
             <a:endParaRPr lang="en-CH"/>
           </a:p>
@@ -2094,7 +2094,7 @@
           <a:p>
             <a:fld id="{BB7429E2-DF8E-1342-B890-861DA6477E85}" type="datetimeFigureOut">
               <a:rPr lang="en-CH" smtClean="0"/>
-              <a:t>02.12.2023</a:t>
+              <a:t>05.12.2023</a:t>
             </a:fld>
             <a:endParaRPr lang="en-CH"/>
           </a:p>
@@ -2407,7 +2407,7 @@
           <a:p>
             <a:fld id="{BB7429E2-DF8E-1342-B890-861DA6477E85}" type="datetimeFigureOut">
               <a:rPr lang="en-CH" smtClean="0"/>
-              <a:t>02.12.2023</a:t>
+              <a:t>05.12.2023</a:t>
             </a:fld>
             <a:endParaRPr lang="en-CH"/>
           </a:p>
@@ -2696,7 +2696,7 @@
           <a:p>
             <a:fld id="{BB7429E2-DF8E-1342-B890-861DA6477E85}" type="datetimeFigureOut">
               <a:rPr lang="en-CH" smtClean="0"/>
-              <a:t>02.12.2023</a:t>
+              <a:t>05.12.2023</a:t>
             </a:fld>
             <a:endParaRPr lang="en-CH"/>
           </a:p>
@@ -2939,7 +2939,7 @@
           <a:p>
             <a:fld id="{BB7429E2-DF8E-1342-B890-861DA6477E85}" type="datetimeFigureOut">
               <a:rPr lang="en-CH" smtClean="0"/>
-              <a:t>02.12.2023</a:t>
+              <a:t>05.12.2023</a:t>
             </a:fld>
             <a:endParaRPr lang="en-CH"/>
           </a:p>
@@ -6917,7 +6917,22 @@
               <a:rPr lang="en-US" sz="1400" b="0" i="0" dirty="0">
                 <a:effectLst/>
               </a:rPr>
-              <a:t>Virtualization, at a high level, enables a single physical computer system to run multiple operating systems at once.</a:t>
+              <a:t>Virtualization, at a high level, </a:t>
+            </a:r>
+            <a:r>
+              <a:rPr lang="en-US" sz="1400" b="0" i="0" dirty="0">
+                <a:effectLst/>
+                <a:highlight>
+                  <a:srgbClr val="FFFF00"/>
+                </a:highlight>
+              </a:rPr>
+              <a:t>enables a single physical computer system to run multiple operating systems at once</a:t>
+            </a:r>
+            <a:r>
+              <a:rPr lang="en-US" sz="1400" b="0" i="0" dirty="0">
+                <a:effectLst/>
+              </a:rPr>
+              <a:t>.</a:t>
             </a:r>
           </a:p>
           <a:p>
@@ -6971,7 +6986,37 @@
               <a:rPr lang="en-US" sz="1400" b="0" i="0" dirty="0">
                 <a:effectLst/>
               </a:rPr>
-              <a:t>Primary benefits of virtualization is the ability to make efficient use of a single powerful server by dividing its resources among multiple virtual machines each of which is allocated an amount of resources which is optimal for its assigned tasks.</a:t>
+              <a:t>Primary </a:t>
+            </a:r>
+            <a:r>
+              <a:rPr lang="en-US" sz="1400" b="0" i="0" dirty="0">
+                <a:effectLst/>
+                <a:highlight>
+                  <a:srgbClr val="FFFF00"/>
+                </a:highlight>
+              </a:rPr>
+              <a:t>benefits of virtualization </a:t>
+            </a:r>
+            <a:r>
+              <a:rPr lang="en-US" sz="1400" b="0" i="0" dirty="0">
+                <a:effectLst/>
+              </a:rPr>
+              <a:t>is the </a:t>
+            </a:r>
+            <a:r>
+              <a:rPr lang="en-US" sz="1400" b="0" i="0" dirty="0">
+                <a:effectLst/>
+                <a:highlight>
+                  <a:srgbClr val="FFFF00"/>
+                </a:highlight>
+              </a:rPr>
+              <a:t>ability to make efficient use of a single powerful server by dividing its resources among multiple virtual machines </a:t>
+            </a:r>
+            <a:r>
+              <a:rPr lang="en-US" sz="1400" b="0" i="0" dirty="0">
+                <a:effectLst/>
+              </a:rPr>
+              <a:t>each of which is allocated an amount of resources which is optimal for its assigned tasks.</a:t>
             </a:r>
           </a:p>
           <a:p>
@@ -6989,7 +7034,37 @@
               <a:rPr lang="en-US" sz="1400" b="0" i="0" dirty="0">
                 <a:effectLst/>
               </a:rPr>
-              <a:t>Core component – Hypervisor (virtual machine monitor (VMM))</a:t>
+              <a:t>Core component – </a:t>
+            </a:r>
+            <a:r>
+              <a:rPr lang="en-US" sz="1400" b="0" i="0" dirty="0">
+                <a:effectLst/>
+                <a:highlight>
+                  <a:srgbClr val="FFFF00"/>
+                </a:highlight>
+              </a:rPr>
+              <a:t>Hypervisor</a:t>
+            </a:r>
+            <a:r>
+              <a:rPr lang="en-US" sz="1400" b="0" i="0" dirty="0">
+                <a:effectLst/>
+              </a:rPr>
+              <a:t> (virtual machine monitor (</a:t>
+            </a:r>
+            <a:r>
+              <a:rPr lang="en-US" sz="1400" b="0" i="0" dirty="0">
+                <a:effectLst/>
+                <a:highlight>
+                  <a:srgbClr val="FFFF00"/>
+                </a:highlight>
+              </a:rPr>
+              <a:t>VMM</a:t>
+            </a:r>
+            <a:r>
+              <a:rPr lang="en-US" sz="1400" b="0" i="0" dirty="0">
+                <a:effectLst/>
+              </a:rPr>
+              <a:t>))</a:t>
             </a:r>
           </a:p>
           <a:p>
@@ -8264,30 +8339,43 @@
         </p:spPr>
         <p:txBody>
           <a:bodyPr>
-            <a:normAutofit/>
+            <a:normAutofit lnSpcReduction="10000"/>
           </a:bodyPr>
           <a:lstStyle/>
           <a:p>
             <a:r>
-              <a:rPr lang="en-GB" sz="1700"/>
+              <a:rPr lang="en-GB" sz="1400" dirty="0"/>
               <a:t>Illustrate the unique architecture: Differentiate between traditional virtualization and Nitro's approach.</a:t>
             </a:r>
           </a:p>
           <a:p>
             <a:r>
-              <a:rPr lang="en-GB" sz="1700"/>
+              <a:rPr lang="en-GB" sz="1400" dirty="0"/>
               <a:t>Components explained: Dive into Nitro Cards for specific functions (e.g., VPC, EBS), the Nitro Security Chip for hardware security, and the lightweight Nitro Hypervisor for resource isolation.</a:t>
             </a:r>
           </a:p>
           <a:p>
             <a:r>
-              <a:rPr lang="en-GB" sz="1700"/>
+              <a:rPr lang="en-GB" sz="1400" dirty="0"/>
               <a:t>Highlight architectural benefits: Enhanced resource optimization and reduced virtualization overhead.</a:t>
             </a:r>
-            <a:br>
-              <a:rPr lang="en-GB" sz="1700"/>
-            </a:br>
-            <a:endParaRPr lang="en-CH" sz="1700"/>
+          </a:p>
+          <a:p>
+            <a:r>
+              <a:rPr lang="en-GB" sz="1400" dirty="0"/>
+              <a:t>FYI: Peripheral Component Interconnect Express (PCIe or PCI-E) is </a:t>
+            </a:r>
+            <a:r>
+              <a:rPr lang="en-GB" sz="1400" b="1" dirty="0">
+                <a:effectLst/>
+              </a:rPr>
+              <a:t>a serial expansion bus standard for connecting a computer to one or more peripheral devices</a:t>
+            </a:r>
+            <a:r>
+              <a:rPr lang="en-GB" sz="1400" dirty="0"/>
+              <a:t>. PCIe provides lower latency and higher data transfer rates than parallel busses such as PCI and PCI-X.</a:t>
+            </a:r>
+            <a:endParaRPr lang="en-CH" sz="1400" dirty="0"/>
           </a:p>
         </p:txBody>
       </p:sp>

--- a/lecture-materials/Compute/aws_nitro_system/aws_nitro_system.pptx
+++ b/lecture-materials/Compute/aws_nitro_system/aws_nitro_system.pptx
@@ -270,7 +270,7 @@
           <a:p>
             <a:fld id="{BB7429E2-DF8E-1342-B890-861DA6477E85}" type="datetimeFigureOut">
               <a:rPr lang="en-CH" smtClean="0"/>
-              <a:t>05.12.2023</a:t>
+              <a:t>11.12.2023</a:t>
             </a:fld>
             <a:endParaRPr lang="en-CH"/>
           </a:p>
@@ -470,7 +470,7 @@
           <a:p>
             <a:fld id="{BB7429E2-DF8E-1342-B890-861DA6477E85}" type="datetimeFigureOut">
               <a:rPr lang="en-CH" smtClean="0"/>
-              <a:t>05.12.2023</a:t>
+              <a:t>11.12.2023</a:t>
             </a:fld>
             <a:endParaRPr lang="en-CH"/>
           </a:p>
@@ -680,7 +680,7 @@
           <a:p>
             <a:fld id="{BB7429E2-DF8E-1342-B890-861DA6477E85}" type="datetimeFigureOut">
               <a:rPr lang="en-CH" smtClean="0"/>
-              <a:t>05.12.2023</a:t>
+              <a:t>11.12.2023</a:t>
             </a:fld>
             <a:endParaRPr lang="en-CH"/>
           </a:p>
@@ -880,7 +880,7 @@
           <a:p>
             <a:fld id="{BB7429E2-DF8E-1342-B890-861DA6477E85}" type="datetimeFigureOut">
               <a:rPr lang="en-CH" smtClean="0"/>
-              <a:t>05.12.2023</a:t>
+              <a:t>11.12.2023</a:t>
             </a:fld>
             <a:endParaRPr lang="en-CH"/>
           </a:p>
@@ -1156,7 +1156,7 @@
           <a:p>
             <a:fld id="{BB7429E2-DF8E-1342-B890-861DA6477E85}" type="datetimeFigureOut">
               <a:rPr lang="en-CH" smtClean="0"/>
-              <a:t>05.12.2023</a:t>
+              <a:t>11.12.2023</a:t>
             </a:fld>
             <a:endParaRPr lang="en-CH"/>
           </a:p>
@@ -1424,7 +1424,7 @@
           <a:p>
             <a:fld id="{BB7429E2-DF8E-1342-B890-861DA6477E85}" type="datetimeFigureOut">
               <a:rPr lang="en-CH" smtClean="0"/>
-              <a:t>05.12.2023</a:t>
+              <a:t>11.12.2023</a:t>
             </a:fld>
             <a:endParaRPr lang="en-CH"/>
           </a:p>
@@ -1839,7 +1839,7 @@
           <a:p>
             <a:fld id="{BB7429E2-DF8E-1342-B890-861DA6477E85}" type="datetimeFigureOut">
               <a:rPr lang="en-CH" smtClean="0"/>
-              <a:t>05.12.2023</a:t>
+              <a:t>11.12.2023</a:t>
             </a:fld>
             <a:endParaRPr lang="en-CH"/>
           </a:p>
@@ -1981,7 +1981,7 @@
           <a:p>
             <a:fld id="{BB7429E2-DF8E-1342-B890-861DA6477E85}" type="datetimeFigureOut">
               <a:rPr lang="en-CH" smtClean="0"/>
-              <a:t>05.12.2023</a:t>
+              <a:t>11.12.2023</a:t>
             </a:fld>
             <a:endParaRPr lang="en-CH"/>
           </a:p>
@@ -2094,7 +2094,7 @@
           <a:p>
             <a:fld id="{BB7429E2-DF8E-1342-B890-861DA6477E85}" type="datetimeFigureOut">
               <a:rPr lang="en-CH" smtClean="0"/>
-              <a:t>05.12.2023</a:t>
+              <a:t>11.12.2023</a:t>
             </a:fld>
             <a:endParaRPr lang="en-CH"/>
           </a:p>
@@ -2407,7 +2407,7 @@
           <a:p>
             <a:fld id="{BB7429E2-DF8E-1342-B890-861DA6477E85}" type="datetimeFigureOut">
               <a:rPr lang="en-CH" smtClean="0"/>
-              <a:t>05.12.2023</a:t>
+              <a:t>11.12.2023</a:t>
             </a:fld>
             <a:endParaRPr lang="en-CH"/>
           </a:p>
@@ -2696,7 +2696,7 @@
           <a:p>
             <a:fld id="{BB7429E2-DF8E-1342-B890-861DA6477E85}" type="datetimeFigureOut">
               <a:rPr lang="en-CH" smtClean="0"/>
-              <a:t>05.12.2023</a:t>
+              <a:t>11.12.2023</a:t>
             </a:fld>
             <a:endParaRPr lang="en-CH"/>
           </a:p>
@@ -2939,7 +2939,7 @@
           <a:p>
             <a:fld id="{BB7429E2-DF8E-1342-B890-861DA6477E85}" type="datetimeFigureOut">
               <a:rPr lang="en-CH" smtClean="0"/>
-              <a:t>05.12.2023</a:t>
+              <a:t>11.12.2023</a:t>
             </a:fld>
             <a:endParaRPr lang="en-CH"/>
           </a:p>
@@ -5083,18 +5083,32 @@
               <a:buAutoNum type="arabicPeriod"/>
             </a:pPr>
             <a:r>
-              <a:rPr lang="en-GB" sz="1400" b="1" i="0">
+              <a:rPr lang="en-GB" sz="1400" b="1" i="0" dirty="0">
                 <a:effectLst/>
                 <a:latin typeface="Söhne"/>
               </a:rPr>
               <a:t>High-Performance Computing (HPC):</a:t>
             </a:r>
             <a:r>
-              <a:rPr lang="en-GB" sz="1400" b="0" i="0">
+              <a:rPr lang="en-GB" sz="1400" b="0" i="0" dirty="0">
                 <a:effectLst/>
                 <a:latin typeface="Söhne"/>
               </a:rPr>
-              <a:t> AWS Nitro's enhanced CPU and memory performance make it ideal for HPC workloads. Its ability to deliver high throughput and networking performance is crucial for compute-intensive tasks like scientific modeling, big data analytics, and machine learning.</a:t>
+              <a:t> AWS Nitro's enhanced CPU and memory performance make it ideal for HPC workloads. Its ability to deliver high throughput and networking performance is crucial for compute-intensive tasks like scientific </a:t>
+            </a:r>
+            <a:r>
+              <a:rPr lang="en-GB" sz="1400" b="0" i="0" dirty="0" err="1">
+                <a:effectLst/>
+                <a:latin typeface="Söhne"/>
+              </a:rPr>
+              <a:t>modeling</a:t>
+            </a:r>
+            <a:r>
+              <a:rPr lang="en-GB" sz="1400" b="0" i="0" dirty="0">
+                <a:effectLst/>
+                <a:latin typeface="Söhne"/>
+              </a:rPr>
+              <a:t>, big data analytics, and machine learning.</a:t>
             </a:r>
           </a:p>
           <a:p>
@@ -5103,14 +5117,14 @@
               <a:buAutoNum type="arabicPeriod"/>
             </a:pPr>
             <a:r>
-              <a:rPr lang="en-GB" sz="1400" b="1" i="0">
+              <a:rPr lang="en-GB" sz="1400" b="1" i="0" dirty="0">
                 <a:effectLst/>
                 <a:latin typeface="Söhne"/>
               </a:rPr>
               <a:t>Secure Data Processing:</a:t>
             </a:r>
             <a:r>
-              <a:rPr lang="en-GB" sz="1400" b="0" i="0">
+              <a:rPr lang="en-GB" sz="1400" b="0" i="0" dirty="0">
                 <a:effectLst/>
                 <a:latin typeface="Söhne"/>
               </a:rPr>
@@ -5123,14 +5137,14 @@
               <a:buAutoNum type="arabicPeriod"/>
             </a:pPr>
             <a:r>
-              <a:rPr lang="en-GB" sz="1400" b="1" i="0">
+              <a:rPr lang="en-GB" sz="1400" b="1" i="0" dirty="0">
                 <a:effectLst/>
                 <a:latin typeface="Söhne"/>
               </a:rPr>
               <a:t>Enterprise Resource Planning (ERP) Systems:</a:t>
             </a:r>
             <a:r>
-              <a:rPr lang="en-GB" sz="1400" b="0" i="0">
+              <a:rPr lang="en-GB" sz="1400" b="0" i="0" dirty="0">
                 <a:effectLst/>
                 <a:latin typeface="Söhne"/>
               </a:rPr>
@@ -5143,14 +5157,14 @@
               <a:buAutoNum type="arabicPeriod"/>
             </a:pPr>
             <a:r>
-              <a:rPr lang="en-GB" sz="1400" b="1" i="0">
+              <a:rPr lang="en-GB" sz="1400" b="1" i="0" dirty="0">
                 <a:effectLst/>
                 <a:latin typeface="Söhne"/>
               </a:rPr>
               <a:t>Gaming and Media Streaming:</a:t>
             </a:r>
             <a:r>
-              <a:rPr lang="en-GB" sz="1400" b="0" i="0">
+              <a:rPr lang="en-GB" sz="1400" b="0" i="0" dirty="0">
                 <a:effectLst/>
                 <a:latin typeface="Söhne"/>
               </a:rPr>
@@ -5163,22 +5177,19 @@
               <a:buAutoNum type="arabicPeriod"/>
             </a:pPr>
             <a:r>
-              <a:rPr lang="en-GB" sz="1400" b="1" i="0">
+              <a:rPr lang="en-GB" sz="1400" b="1" i="0" dirty="0">
                 <a:effectLst/>
                 <a:latin typeface="Söhne"/>
               </a:rPr>
               <a:t>Machine Learning and AI Workloads:</a:t>
             </a:r>
             <a:r>
-              <a:rPr lang="en-GB" sz="1400" b="0" i="0">
+              <a:rPr lang="en-GB" sz="1400" b="0" i="0" dirty="0">
                 <a:effectLst/>
                 <a:latin typeface="Söhne"/>
               </a:rPr>
               <a:t> The enhanced computational power and efficiency of AWS Nitro are ideal for machine learning and AI workloads, enabling faster processing of large datasets and more efficient model training and inference.</a:t>
             </a:r>
-          </a:p>
-          <a:p>
-            <a:endParaRPr lang="en-CH" sz="1400"/>
           </a:p>
         </p:txBody>
       </p:sp>
@@ -9103,38 +9114,38 @@
           <a:lstStyle/>
           <a:p>
             <a:r>
-              <a:rPr lang="en-CH" sz="2000"/>
+              <a:rPr lang="en-CH" sz="2000" dirty="0"/>
               <a:t>Launched in November 2017</a:t>
             </a:r>
           </a:p>
           <a:p>
             <a:r>
-              <a:rPr lang="en-CH" sz="2000"/>
+              <a:rPr lang="en-CH" sz="2000" dirty="0"/>
               <a:t>Hypervisor build for AWS</a:t>
             </a:r>
           </a:p>
           <a:p>
             <a:r>
-              <a:rPr lang="en-CH" sz="2000"/>
+              <a:rPr lang="en-CH" sz="2000" dirty="0"/>
               <a:t>All new launches uses AWS Nitro</a:t>
             </a:r>
           </a:p>
           <a:p>
             <a:r>
-              <a:rPr lang="en-GB" sz="2000" b="0" i="0">
+              <a:rPr lang="en-GB" sz="2000" b="0" i="0" dirty="0">
                 <a:effectLst/>
                 <a:latin typeface="Amazon Ember"/>
               </a:rPr>
               <a:t>C5 instance type introduced in 2017</a:t>
             </a:r>
             <a:r>
-              <a:rPr lang="en-CH" sz="2000" b="0" i="0">
+              <a:rPr lang="en-CH" sz="2000" b="0" i="0" dirty="0">
                 <a:effectLst/>
                 <a:latin typeface="Amazon Ember"/>
               </a:rPr>
               <a:t> as a first Nitro based type</a:t>
             </a:r>
-            <a:endParaRPr lang="en-CH" sz="2000"/>
+            <a:endParaRPr lang="en-CH" sz="2000" dirty="0"/>
           </a:p>
         </p:txBody>
       </p:sp>
@@ -27845,7 +27856,7 @@
           <a:lstStyle/>
           <a:p>
             <a:r>
-              <a:rPr lang="en-GB" sz="2000" b="0" i="0">
+              <a:rPr lang="en-GB" sz="2000" b="0" i="0" dirty="0">
                 <a:effectLst/>
                 <a:latin typeface="Amazon Ember"/>
               </a:rPr>
@@ -27854,7 +27865,7 @@
           </a:p>
           <a:p>
             <a:r>
-              <a:rPr lang="en-GB" sz="2000" b="0" i="0">
+              <a:rPr lang="en-GB" sz="2000" b="0" i="0" dirty="0">
                 <a:effectLst/>
                 <a:latin typeface="Amazon Ember"/>
               </a:rPr>
@@ -27863,13 +27874,13 @@
           </a:p>
           <a:p>
             <a:r>
-              <a:rPr lang="en-GB" sz="2000" b="0" i="0">
+              <a:rPr lang="en-GB" sz="2000" b="0" i="0" dirty="0">
                 <a:effectLst/>
                 <a:latin typeface="Amazon Ember"/>
               </a:rPr>
               <a:t>Each control plane component is authorized only for the set of operations needed for it to complete its business purpose. </a:t>
             </a:r>
-            <a:endParaRPr lang="en-CH" sz="2000"/>
+            <a:endParaRPr lang="en-CH" sz="2000" dirty="0"/>
           </a:p>
         </p:txBody>
       </p:sp>
